--- a/assests.documentation/LimerickStreetArtPresentation.pptx
+++ b/assests.documentation/LimerickStreetArtPresentation.pptx
@@ -135,14 +135,6 @@
     </p:extLst>
   </p:cmAuthor>
 </p:cmAuthorLst>
-</file>
-
-<file path=ppt/revisionInfo.xml><?xml version="1.0" encoding="utf-8"?>
-<p1510:revInfo xmlns:a="http://schemas.openxmlformats.org/drawingml/2006/main" xmlns:r="http://schemas.openxmlformats.org/officeDocument/2006/relationships" xmlns:p1510="http://schemas.microsoft.com/office/powerpoint/2015/10/main">
-  <p1510:revLst>
-    <p1510:client id="{7482CA83-9C6E-4FCF-8278-CA345AA4E727}" v="66" dt="2020-05-29T00:28:59.501"/>
-  </p1510:revLst>
-</p1510:revInfo>
 </file>
 
 <file path=ppt/diagrams/colors1.xml><?xml version="1.0" encoding="utf-8"?>
